--- a/Notes/14_evidence_and_stat_mech.pptx
+++ b/Notes/14_evidence_and_stat_mech.pptx
@@ -125,6 +125,11 @@
       </a:defRPr>
     </a:lvl9pPr>
   </p:defaultTextStyle>
+  <p:extLst>
+    <p:ext uri="{EFAFB233-063F-42B5-8137-9DF3F51BA10A}">
+      <p15:sldGuideLst xmlns:p15="http://schemas.microsoft.com/office/powerpoint/2012/main"/>
+    </p:ext>
+  </p:extLst>
 </p:presentation>
 </file>
 
@@ -210,7 +215,7 @@
           <a:p>
             <a:fld id="{75FE40C6-62B1-424F-8DBA-0D0A005B9C2B}" type="datetimeFigureOut">
               <a:rPr lang="en-US" smtClean="0"/>
-              <a:t>5/10/25</a:t>
+              <a:t>5/14/25</a:t>
             </a:fld>
             <a:endParaRPr lang="en-US"/>
           </a:p>
@@ -692,7 +697,7 @@
           <a:p>
             <a:fld id="{E7617C9F-8266-3D4F-9D29-27A30F1BEBEC}" type="datetimeFigureOut">
               <a:rPr lang="en-US" smtClean="0"/>
-              <a:t>5/9/25</a:t>
+              <a:t>5/14/25</a:t>
             </a:fld>
             <a:endParaRPr lang="en-US"/>
           </a:p>
@@ -862,7 +867,7 @@
           <a:p>
             <a:fld id="{E7617C9F-8266-3D4F-9D29-27A30F1BEBEC}" type="datetimeFigureOut">
               <a:rPr lang="en-US" smtClean="0"/>
-              <a:t>5/9/25</a:t>
+              <a:t>5/14/25</a:t>
             </a:fld>
             <a:endParaRPr lang="en-US"/>
           </a:p>
@@ -1042,7 +1047,7 @@
           <a:p>
             <a:fld id="{E7617C9F-8266-3D4F-9D29-27A30F1BEBEC}" type="datetimeFigureOut">
               <a:rPr lang="en-US" smtClean="0"/>
-              <a:t>5/9/25</a:t>
+              <a:t>5/14/25</a:t>
             </a:fld>
             <a:endParaRPr lang="en-US"/>
           </a:p>
@@ -1212,7 +1217,7 @@
           <a:p>
             <a:fld id="{E7617C9F-8266-3D4F-9D29-27A30F1BEBEC}" type="datetimeFigureOut">
               <a:rPr lang="en-US" smtClean="0"/>
-              <a:t>5/9/25</a:t>
+              <a:t>5/14/25</a:t>
             </a:fld>
             <a:endParaRPr lang="en-US"/>
           </a:p>
@@ -1458,7 +1463,7 @@
           <a:p>
             <a:fld id="{E7617C9F-8266-3D4F-9D29-27A30F1BEBEC}" type="datetimeFigureOut">
               <a:rPr lang="en-US" smtClean="0"/>
-              <a:t>5/9/25</a:t>
+              <a:t>5/14/25</a:t>
             </a:fld>
             <a:endParaRPr lang="en-US"/>
           </a:p>
@@ -1690,7 +1695,7 @@
           <a:p>
             <a:fld id="{E7617C9F-8266-3D4F-9D29-27A30F1BEBEC}" type="datetimeFigureOut">
               <a:rPr lang="en-US" smtClean="0"/>
-              <a:t>5/9/25</a:t>
+              <a:t>5/14/25</a:t>
             </a:fld>
             <a:endParaRPr lang="en-US"/>
           </a:p>
@@ -2057,7 +2062,7 @@
           <a:p>
             <a:fld id="{E7617C9F-8266-3D4F-9D29-27A30F1BEBEC}" type="datetimeFigureOut">
               <a:rPr lang="en-US" smtClean="0"/>
-              <a:t>5/9/25</a:t>
+              <a:t>5/14/25</a:t>
             </a:fld>
             <a:endParaRPr lang="en-US"/>
           </a:p>
@@ -2175,7 +2180,7 @@
           <a:p>
             <a:fld id="{E7617C9F-8266-3D4F-9D29-27A30F1BEBEC}" type="datetimeFigureOut">
               <a:rPr lang="en-US" smtClean="0"/>
-              <a:t>5/9/25</a:t>
+              <a:t>5/14/25</a:t>
             </a:fld>
             <a:endParaRPr lang="en-US"/>
           </a:p>
@@ -2270,7 +2275,7 @@
           <a:p>
             <a:fld id="{E7617C9F-8266-3D4F-9D29-27A30F1BEBEC}" type="datetimeFigureOut">
               <a:rPr lang="en-US" smtClean="0"/>
-              <a:t>5/9/25</a:t>
+              <a:t>5/14/25</a:t>
             </a:fld>
             <a:endParaRPr lang="en-US"/>
           </a:p>
@@ -2547,7 +2552,7 @@
           <a:p>
             <a:fld id="{E7617C9F-8266-3D4F-9D29-27A30F1BEBEC}" type="datetimeFigureOut">
               <a:rPr lang="en-US" smtClean="0"/>
-              <a:t>5/9/25</a:t>
+              <a:t>5/14/25</a:t>
             </a:fld>
             <a:endParaRPr lang="en-US"/>
           </a:p>
@@ -2804,7 +2809,7 @@
           <a:p>
             <a:fld id="{E7617C9F-8266-3D4F-9D29-27A30F1BEBEC}" type="datetimeFigureOut">
               <a:rPr lang="en-US" smtClean="0"/>
-              <a:t>5/9/25</a:t>
+              <a:t>5/14/25</a:t>
             </a:fld>
             <a:endParaRPr lang="en-US"/>
           </a:p>
@@ -3017,7 +3022,7 @@
           <a:p>
             <a:fld id="{E7617C9F-8266-3D4F-9D29-27A30F1BEBEC}" type="datetimeFigureOut">
               <a:rPr lang="en-US" smtClean="0"/>
-              <a:t>5/9/25</a:t>
+              <a:t>5/14/25</a:t>
             </a:fld>
             <a:endParaRPr lang="en-US"/>
           </a:p>
@@ -3549,64 +3554,6 @@
       </p:sp>
       <p:pic>
         <p:nvPicPr>
-          <p:cNvPr id="11" name="Picture 10" descr="A person with a beard&#10;&#10;AI-generated content may be incorrect.">
-            <a:extLst>
-              <a:ext uri="{FF2B5EF4-FFF2-40B4-BE49-F238E27FC236}">
-                <a16:creationId xmlns:a16="http://schemas.microsoft.com/office/drawing/2014/main" id="{1DCA389D-E60D-7EC8-9965-7745FC05A98A}"/>
-              </a:ext>
-            </a:extLst>
-          </p:cNvPr>
-          <p:cNvPicPr>
-            <a:picLocks noChangeAspect="1"/>
-          </p:cNvPicPr>
-          <p:nvPr/>
-        </p:nvPicPr>
-        <p:blipFill>
-          <a:blip r:embed="rId3"/>
-          <a:srcRect l="7070" r="18699"/>
-          <a:stretch/>
-        </p:blipFill>
-        <p:spPr>
-          <a:xfrm>
-            <a:off x="1406216" y="3538117"/>
-            <a:ext cx="2916821" cy="2921004"/>
-          </a:xfrm>
-          <a:prstGeom prst="rect">
-            <a:avLst/>
-          </a:prstGeom>
-        </p:spPr>
-      </p:pic>
-      <p:pic>
-        <p:nvPicPr>
-          <p:cNvPr id="12" name="Picture 11">
-            <a:extLst>
-              <a:ext uri="{FF2B5EF4-FFF2-40B4-BE49-F238E27FC236}">
-                <a16:creationId xmlns:a16="http://schemas.microsoft.com/office/drawing/2014/main" id="{DB826519-E1A4-418B-2AEE-D4E869F17804}"/>
-              </a:ext>
-            </a:extLst>
-          </p:cNvPr>
-          <p:cNvPicPr>
-            <a:picLocks noChangeAspect="1"/>
-          </p:cNvPicPr>
-          <p:nvPr/>
-        </p:nvPicPr>
-        <p:blipFill>
-          <a:blip r:embed="rId4"/>
-          <a:srcRect b="12370"/>
-          <a:stretch/>
-        </p:blipFill>
-        <p:spPr>
-          <a:xfrm flipH="1">
-            <a:off x="141530" y="2170252"/>
-            <a:ext cx="2210571" cy="1575710"/>
-          </a:xfrm>
-          <a:prstGeom prst="rect">
-            <a:avLst/>
-          </a:prstGeom>
-        </p:spPr>
-      </p:pic>
-      <p:pic>
-        <p:nvPicPr>
           <p:cNvPr id="15" name="Picture 14" descr="boltzman.jpg">
             <a:extLst>
               <a:ext uri="{FF2B5EF4-FFF2-40B4-BE49-F238E27FC236}">
@@ -3620,7 +3567,7 @@
           <p:nvPr/>
         </p:nvPicPr>
         <p:blipFill>
-          <a:blip r:embed="rId5">
+          <a:blip r:embed="rId3">
             <a:extLst>
               <a:ext uri="{28A0092B-C50C-407E-A947-70E740481C1C}">
                 <a14:useLocalDpi xmlns:a14="http://schemas.microsoft.com/office/drawing/2010/main" val="0"/>
@@ -3671,10 +3618,40 @@
       </p:pic>
       <p:pic>
         <p:nvPicPr>
-          <p:cNvPr id="17" name="Picture 16">
+          <p:cNvPr id="18" name="Picture 17">
             <a:extLst>
               <a:ext uri="{FF2B5EF4-FFF2-40B4-BE49-F238E27FC236}">
-                <a16:creationId xmlns:a16="http://schemas.microsoft.com/office/drawing/2014/main" id="{9F12C864-5C45-F84A-65F5-BA202EFDB4A0}"/>
+                <a16:creationId xmlns:a16="http://schemas.microsoft.com/office/drawing/2014/main" id="{AD3159B7-AF3E-A46E-B20A-46B439472378}"/>
+              </a:ext>
+            </a:extLst>
+          </p:cNvPr>
+          <p:cNvPicPr>
+            <a:picLocks noChangeAspect="1"/>
+          </p:cNvPicPr>
+          <p:nvPr/>
+        </p:nvPicPr>
+        <p:blipFill>
+          <a:blip r:embed="rId5"/>
+          <a:stretch>
+            <a:fillRect/>
+          </a:stretch>
+        </p:blipFill>
+        <p:spPr>
+          <a:xfrm>
+            <a:off x="8055274" y="2694600"/>
+            <a:ext cx="317500" cy="317500"/>
+          </a:xfrm>
+          <a:prstGeom prst="rect">
+            <a:avLst/>
+          </a:prstGeom>
+        </p:spPr>
+      </p:pic>
+      <p:pic>
+        <p:nvPicPr>
+          <p:cNvPr id="9" name="Picture 8">
+            <a:extLst>
+              <a:ext uri="{FF2B5EF4-FFF2-40B4-BE49-F238E27FC236}">
+                <a16:creationId xmlns:a16="http://schemas.microsoft.com/office/drawing/2014/main" id="{BFE1AAA2-7EA0-212B-5059-F693F0FE4DA3}"/>
               </a:ext>
             </a:extLst>
           </p:cNvPr>
@@ -3691,8 +3668,8 @@
         </p:blipFill>
         <p:spPr>
           <a:xfrm>
-            <a:off x="362593" y="2691706"/>
-            <a:ext cx="1247421" cy="363422"/>
+            <a:off x="1526363" y="3513647"/>
+            <a:ext cx="2870200" cy="2895600"/>
           </a:xfrm>
           <a:prstGeom prst="rect">
             <a:avLst/>
@@ -3701,10 +3678,39 @@
       </p:pic>
       <p:pic>
         <p:nvPicPr>
-          <p:cNvPr id="18" name="Picture 17">
+          <p:cNvPr id="10" name="Picture 9">
             <a:extLst>
               <a:ext uri="{FF2B5EF4-FFF2-40B4-BE49-F238E27FC236}">
-                <a16:creationId xmlns:a16="http://schemas.microsoft.com/office/drawing/2014/main" id="{AD3159B7-AF3E-A46E-B20A-46B439472378}"/>
+                <a16:creationId xmlns:a16="http://schemas.microsoft.com/office/drawing/2014/main" id="{F079EDB5-557A-4436-215E-F480E255F9B0}"/>
+              </a:ext>
+            </a:extLst>
+          </p:cNvPr>
+          <p:cNvPicPr>
+            <a:picLocks noChangeAspect="1"/>
+          </p:cNvPicPr>
+          <p:nvPr/>
+        </p:nvPicPr>
+        <p:blipFill>
+          <a:blip r:embed="rId4"/>
+          <a:srcRect b="12370"/>
+          <a:stretch/>
+        </p:blipFill>
+        <p:spPr>
+          <a:xfrm flipH="1">
+            <a:off x="141530" y="2170252"/>
+            <a:ext cx="2210571" cy="1575710"/>
+          </a:xfrm>
+          <a:prstGeom prst="rect">
+            <a:avLst/>
+          </a:prstGeom>
+        </p:spPr>
+      </p:pic>
+      <p:pic>
+        <p:nvPicPr>
+          <p:cNvPr id="13" name="Picture 12">
+            <a:extLst>
+              <a:ext uri="{FF2B5EF4-FFF2-40B4-BE49-F238E27FC236}">
+                <a16:creationId xmlns:a16="http://schemas.microsoft.com/office/drawing/2014/main" id="{037C9BCB-9BC2-BF11-F347-086706C36E09}"/>
               </a:ext>
             </a:extLst>
           </p:cNvPr>
@@ -3721,8 +3727,8 @@
         </p:blipFill>
         <p:spPr>
           <a:xfrm>
-            <a:off x="8055274" y="2694600"/>
-            <a:ext cx="317500" cy="317500"/>
+            <a:off x="362593" y="2691706"/>
+            <a:ext cx="1247421" cy="363422"/>
           </a:xfrm>
           <a:prstGeom prst="rect">
             <a:avLst/>
@@ -6346,7 +6352,7 @@
         </p:nvCxnSpPr>
         <p:spPr>
           <a:xfrm flipH="1">
-            <a:off x="4756212" y="5249459"/>
+            <a:off x="4756212" y="5260889"/>
             <a:ext cx="2854814" cy="0"/>
           </a:xfrm>
           <a:prstGeom prst="line">
@@ -12762,7 +12768,25 @@
                 </a:solidFill>
                 <a:latin typeface="Times New Roman" pitchFamily="18" charset="0"/>
               </a:rPr>
-              <a:t>Known in physics for over a hundred years (cf. Boltzmann papers)</a:t>
+              <a:t>Known in physics for over a hundred years (</a:t>
+            </a:r>
+            <a:r>
+              <a:rPr lang="en-GB" sz="2200" i="1" dirty="0">
+                <a:solidFill>
+                  <a:srgbClr val="000000"/>
+                </a:solidFill>
+                <a:latin typeface="Times New Roman" pitchFamily="18" charset="0"/>
+              </a:rPr>
+              <a:t>cf.</a:t>
+            </a:r>
+            <a:r>
+              <a:rPr lang="en-GB" sz="2200" dirty="0">
+                <a:solidFill>
+                  <a:srgbClr val="000000"/>
+                </a:solidFill>
+                <a:latin typeface="Times New Roman" pitchFamily="18" charset="0"/>
+              </a:rPr>
+              <a:t> Boltzmann papers)</a:t>
             </a:r>
           </a:p>
           <a:p>
@@ -13203,7 +13227,25 @@
                 </a:solidFill>
                 <a:latin typeface="Times New Roman" pitchFamily="18" charset="0"/>
               </a:rPr>
-              <a:t>None are easy to implement for production (i.e. not black box buttons)</a:t>
+              <a:t>None are easy to implement for production (</a:t>
+            </a:r>
+            <a:r>
+              <a:rPr lang="en-GB" i="1" dirty="0">
+                <a:solidFill>
+                  <a:srgbClr val="000000"/>
+                </a:solidFill>
+                <a:latin typeface="Times New Roman" pitchFamily="18" charset="0"/>
+              </a:rPr>
+              <a:t>i.e.</a:t>
+            </a:r>
+            <a:r>
+              <a:rPr lang="en-GB" dirty="0">
+                <a:solidFill>
+                  <a:srgbClr val="000000"/>
+                </a:solidFill>
+                <a:latin typeface="Times New Roman" pitchFamily="18" charset="0"/>
+              </a:rPr>
+              <a:t> not black box buttons)</a:t>
             </a:r>
           </a:p>
           <a:p>
@@ -13799,7 +13841,7 @@
         </p:nvSpPr>
         <p:spPr bwMode="auto">
           <a:xfrm>
-            <a:off x="269413" y="1426119"/>
+            <a:off x="-16337" y="1426119"/>
             <a:ext cx="8634039" cy="1639697"/>
           </a:xfrm>
           <a:prstGeom prst="rect">
@@ -13927,7 +13969,7 @@
         </p:nvSpPr>
         <p:spPr bwMode="auto">
           <a:xfrm>
-            <a:off x="280694" y="3008356"/>
+            <a:off x="-5056" y="3008356"/>
             <a:ext cx="8634039" cy="730463"/>
           </a:xfrm>
           <a:prstGeom prst="rect">
@@ -13997,8 +14039,8 @@
         </p:nvSpPr>
         <p:spPr bwMode="auto">
           <a:xfrm>
-            <a:off x="280694" y="5856194"/>
-            <a:ext cx="8634039" cy="833085"/>
+            <a:off x="-5056" y="5856194"/>
+            <a:ext cx="9160486" cy="833085"/>
           </a:xfrm>
           <a:prstGeom prst="rect">
             <a:avLst/>
@@ -14046,7 +14088,73 @@
                 </a:solidFill>
                 <a:latin typeface="Times New Roman" pitchFamily="18" charset="0"/>
               </a:rPr>
-              <a:t>LRs are typically easier to compute than BFs but are far more arbitrary/uncertain for assorted reasons…</a:t>
+              <a:t>LRs are typically easier to compute than BFs but are far more arbitrary/uncertain for assorted reasons…(</a:t>
+            </a:r>
+            <a:r>
+              <a:rPr lang="en-GB" sz="2400" i="1" dirty="0">
+                <a:solidFill>
+                  <a:srgbClr val="000000"/>
+                </a:solidFill>
+                <a:latin typeface="Times New Roman" pitchFamily="18" charset="0"/>
+              </a:rPr>
+              <a:t>cf.</a:t>
+            </a:r>
+            <a:r>
+              <a:rPr lang="en-GB" sz="2400" dirty="0">
+                <a:solidFill>
+                  <a:srgbClr val="000000"/>
+                </a:solidFill>
+                <a:latin typeface="Times New Roman" pitchFamily="18" charset="0"/>
+              </a:rPr>
+              <a:t> </a:t>
+            </a:r>
+            <a:r>
+              <a:rPr lang="en-GB" sz="2400" dirty="0">
+                <a:solidFill>
+                  <a:srgbClr val="000000"/>
+                </a:solidFill>
+                <a:latin typeface="Times New Roman" pitchFamily="18" charset="0"/>
+                <a:hlinkClick r:id="rId3"/>
+              </a:rPr>
+              <a:t>Lund and Iyer</a:t>
+            </a:r>
+            <a:r>
+              <a:rPr lang="en-GB" sz="2400" dirty="0">
+                <a:solidFill>
+                  <a:srgbClr val="000000"/>
+                </a:solidFill>
+                <a:latin typeface="Times New Roman" pitchFamily="18" charset="0"/>
+              </a:rPr>
+              <a:t>, </a:t>
+            </a:r>
+            <a:r>
+              <a:rPr lang="en-GB" sz="2400" dirty="0" err="1">
+                <a:solidFill>
+                  <a:srgbClr val="000000"/>
+                </a:solidFill>
+                <a:latin typeface="Times New Roman" pitchFamily="18" charset="0"/>
+                <a:hlinkClick r:id="rId4"/>
+              </a:rPr>
+              <a:t>arXiv</a:t>
+            </a:r>
+            <a:r>
+              <a:rPr lang="en-GB" sz="2400" dirty="0">
+                <a:solidFill>
+                  <a:srgbClr val="000000"/>
+                </a:solidFill>
+                <a:latin typeface="Times New Roman" pitchFamily="18" charset="0"/>
+                <a:hlinkClick r:id="rId4"/>
+              </a:rPr>
+              <a:t> ver.</a:t>
+            </a:r>
+            <a:r>
+              <a:rPr lang="en-GB" sz="2400" dirty="0">
+                <a:solidFill>
+                  <a:srgbClr val="000000"/>
+                </a:solidFill>
+                <a:latin typeface="Times New Roman" pitchFamily="18" charset="0"/>
+              </a:rPr>
+              <a:t>)</a:t>
             </a:r>
           </a:p>
         </p:txBody>
@@ -14061,7 +14169,7 @@
         </p:nvSpPr>
         <p:spPr bwMode="auto">
           <a:xfrm>
-            <a:off x="269413" y="4074327"/>
+            <a:off x="-16337" y="4074327"/>
             <a:ext cx="8634039" cy="1636702"/>
           </a:xfrm>
           <a:prstGeom prst="rect">
@@ -14828,7 +14936,7 @@
         </p:nvSpPr>
         <p:spPr bwMode="auto">
           <a:xfrm>
-            <a:off x="135468" y="3200394"/>
+            <a:off x="135468" y="3097524"/>
             <a:ext cx="8686800" cy="1325305"/>
           </a:xfrm>
           <a:prstGeom prst="rect">
@@ -14905,8 +15013,8 @@
         </p:nvSpPr>
         <p:spPr bwMode="auto">
           <a:xfrm>
-            <a:off x="704557" y="4626006"/>
-            <a:ext cx="7982243" cy="2089452"/>
+            <a:off x="704557" y="4454556"/>
+            <a:ext cx="7982243" cy="2327244"/>
           </a:xfrm>
           <a:prstGeom prst="rect">
             <a:avLst/>
@@ -15006,7 +15114,7 @@
                 <a:latin typeface="Times New Roman" panose="02020603050405020304" pitchFamily="18" charset="0"/>
                 <a:cs typeface="Times New Roman" panose="02020603050405020304" pitchFamily="18" charset="0"/>
               </a:rPr>
-              <a:t>Dubbed “the Bayesian” or later “the Logical Framework”</a:t>
+              <a:t>Dubbed “the Bayesian Framework” or later “the Logical Framework”</a:t>
             </a:r>
           </a:p>
           <a:p>

--- a/Notes/14_evidence_and_stat_mech.pptx
+++ b/Notes/14_evidence_and_stat_mech.pptx
@@ -215,7 +215,7 @@
           <a:p>
             <a:fld id="{75FE40C6-62B1-424F-8DBA-0D0A005B9C2B}" type="datetimeFigureOut">
               <a:rPr lang="en-US" smtClean="0"/>
-              <a:t>5/14/25</a:t>
+              <a:t>5/17/25</a:t>
             </a:fld>
             <a:endParaRPr lang="en-US"/>
           </a:p>
@@ -697,7 +697,7 @@
           <a:p>
             <a:fld id="{E7617C9F-8266-3D4F-9D29-27A30F1BEBEC}" type="datetimeFigureOut">
               <a:rPr lang="en-US" smtClean="0"/>
-              <a:t>5/14/25</a:t>
+              <a:t>5/17/25</a:t>
             </a:fld>
             <a:endParaRPr lang="en-US"/>
           </a:p>
@@ -867,7 +867,7 @@
           <a:p>
             <a:fld id="{E7617C9F-8266-3D4F-9D29-27A30F1BEBEC}" type="datetimeFigureOut">
               <a:rPr lang="en-US" smtClean="0"/>
-              <a:t>5/14/25</a:t>
+              <a:t>5/17/25</a:t>
             </a:fld>
             <a:endParaRPr lang="en-US"/>
           </a:p>
@@ -1047,7 +1047,7 @@
           <a:p>
             <a:fld id="{E7617C9F-8266-3D4F-9D29-27A30F1BEBEC}" type="datetimeFigureOut">
               <a:rPr lang="en-US" smtClean="0"/>
-              <a:t>5/14/25</a:t>
+              <a:t>5/17/25</a:t>
             </a:fld>
             <a:endParaRPr lang="en-US"/>
           </a:p>
@@ -1217,7 +1217,7 @@
           <a:p>
             <a:fld id="{E7617C9F-8266-3D4F-9D29-27A30F1BEBEC}" type="datetimeFigureOut">
               <a:rPr lang="en-US" smtClean="0"/>
-              <a:t>5/14/25</a:t>
+              <a:t>5/17/25</a:t>
             </a:fld>
             <a:endParaRPr lang="en-US"/>
           </a:p>
@@ -1463,7 +1463,7 @@
           <a:p>
             <a:fld id="{E7617C9F-8266-3D4F-9D29-27A30F1BEBEC}" type="datetimeFigureOut">
               <a:rPr lang="en-US" smtClean="0"/>
-              <a:t>5/14/25</a:t>
+              <a:t>5/17/25</a:t>
             </a:fld>
             <a:endParaRPr lang="en-US"/>
           </a:p>
@@ -1695,7 +1695,7 @@
           <a:p>
             <a:fld id="{E7617C9F-8266-3D4F-9D29-27A30F1BEBEC}" type="datetimeFigureOut">
               <a:rPr lang="en-US" smtClean="0"/>
-              <a:t>5/14/25</a:t>
+              <a:t>5/17/25</a:t>
             </a:fld>
             <a:endParaRPr lang="en-US"/>
           </a:p>
@@ -2062,7 +2062,7 @@
           <a:p>
             <a:fld id="{E7617C9F-8266-3D4F-9D29-27A30F1BEBEC}" type="datetimeFigureOut">
               <a:rPr lang="en-US" smtClean="0"/>
-              <a:t>5/14/25</a:t>
+              <a:t>5/17/25</a:t>
             </a:fld>
             <a:endParaRPr lang="en-US"/>
           </a:p>
@@ -2180,7 +2180,7 @@
           <a:p>
             <a:fld id="{E7617C9F-8266-3D4F-9D29-27A30F1BEBEC}" type="datetimeFigureOut">
               <a:rPr lang="en-US" smtClean="0"/>
-              <a:t>5/14/25</a:t>
+              <a:t>5/17/25</a:t>
             </a:fld>
             <a:endParaRPr lang="en-US"/>
           </a:p>
@@ -2275,7 +2275,7 @@
           <a:p>
             <a:fld id="{E7617C9F-8266-3D4F-9D29-27A30F1BEBEC}" type="datetimeFigureOut">
               <a:rPr lang="en-US" smtClean="0"/>
-              <a:t>5/14/25</a:t>
+              <a:t>5/17/25</a:t>
             </a:fld>
             <a:endParaRPr lang="en-US"/>
           </a:p>
@@ -2552,7 +2552,7 @@
           <a:p>
             <a:fld id="{E7617C9F-8266-3D4F-9D29-27A30F1BEBEC}" type="datetimeFigureOut">
               <a:rPr lang="en-US" smtClean="0"/>
-              <a:t>5/14/25</a:t>
+              <a:t>5/17/25</a:t>
             </a:fld>
             <a:endParaRPr lang="en-US"/>
           </a:p>
@@ -2809,7 +2809,7 @@
           <a:p>
             <a:fld id="{E7617C9F-8266-3D4F-9D29-27A30F1BEBEC}" type="datetimeFigureOut">
               <a:rPr lang="en-US" smtClean="0"/>
-              <a:t>5/14/25</a:t>
+              <a:t>5/17/25</a:t>
             </a:fld>
             <a:endParaRPr lang="en-US"/>
           </a:p>
@@ -3022,7 +3022,7 @@
           <a:p>
             <a:fld id="{E7617C9F-8266-3D4F-9D29-27A30F1BEBEC}" type="datetimeFigureOut">
               <a:rPr lang="en-US" smtClean="0"/>
-              <a:t>5/14/25</a:t>
+              <a:t>5/17/25</a:t>
             </a:fld>
             <a:endParaRPr lang="en-US"/>
           </a:p>
@@ -11672,8 +11672,8 @@
         </p:blipFill>
         <p:spPr>
           <a:xfrm>
-            <a:off x="2339476" y="2791720"/>
-            <a:ext cx="2363822" cy="921195"/>
+            <a:off x="2696485" y="2791721"/>
+            <a:ext cx="2006812" cy="782066"/>
           </a:xfrm>
           <a:prstGeom prst="rect">
             <a:avLst/>
@@ -11702,8 +11702,8 @@
         </p:blipFill>
         <p:spPr>
           <a:xfrm>
-            <a:off x="4112464" y="5137588"/>
-            <a:ext cx="4973672" cy="662052"/>
+            <a:off x="4599518" y="5458641"/>
+            <a:ext cx="4222495" cy="562062"/>
           </a:xfrm>
           <a:prstGeom prst="rect">
             <a:avLst/>
@@ -11732,8 +11732,8 @@
         </p:blipFill>
         <p:spPr>
           <a:xfrm>
-            <a:off x="2138866" y="6109503"/>
-            <a:ext cx="4833875" cy="655169"/>
+            <a:off x="2614302" y="6190857"/>
+            <a:ext cx="4103811" cy="556218"/>
           </a:xfrm>
           <a:prstGeom prst="rect">
             <a:avLst/>
@@ -11762,8 +11762,8 @@
         </p:blipFill>
         <p:spPr>
           <a:xfrm>
-            <a:off x="5247710" y="3200703"/>
-            <a:ext cx="3380613" cy="938576"/>
+            <a:off x="5608577" y="2948927"/>
+            <a:ext cx="2870036" cy="796822"/>
           </a:xfrm>
           <a:prstGeom prst="rect">
             <a:avLst/>
@@ -11792,8 +11792,8 @@
         </p:blipFill>
         <p:spPr>
           <a:xfrm>
-            <a:off x="2285376" y="4224201"/>
-            <a:ext cx="3654173" cy="795798"/>
+            <a:off x="3753580" y="3883421"/>
+            <a:ext cx="3102281" cy="675608"/>
           </a:xfrm>
           <a:prstGeom prst="rect">
             <a:avLst/>
@@ -11927,6 +11927,36 @@
           </a:p>
         </p:txBody>
       </p:sp>
+      <p:pic>
+        <p:nvPicPr>
+          <p:cNvPr id="2" name="Picture 1">
+            <a:extLst>
+              <a:ext uri="{FF2B5EF4-FFF2-40B4-BE49-F238E27FC236}">
+                <a16:creationId xmlns:a16="http://schemas.microsoft.com/office/drawing/2014/main" id="{B6428385-C36B-9B79-48C2-005E1F999991}"/>
+              </a:ext>
+            </a:extLst>
+          </p:cNvPr>
+          <p:cNvPicPr>
+            <a:picLocks noChangeAspect="1"/>
+          </p:cNvPicPr>
+          <p:nvPr/>
+        </p:nvPicPr>
+        <p:blipFill>
+          <a:blip r:embed="rId8"/>
+          <a:stretch>
+            <a:fillRect/>
+          </a:stretch>
+        </p:blipFill>
+        <p:spPr>
+          <a:xfrm>
+            <a:off x="2455311" y="4802503"/>
+            <a:ext cx="4400550" cy="570441"/>
+          </a:xfrm>
+          <a:prstGeom prst="rect">
+            <a:avLst/>
+          </a:prstGeom>
+        </p:spPr>
+      </p:pic>
     </p:spTree>
     <p:extLst>
       <p:ext uri="{BB962C8B-B14F-4D97-AF65-F5344CB8AC3E}">
@@ -12520,6 +12550,79 @@
                                         <p:cTn id="36" dur="500" fill="hold"/>
                                         <p:tgtEl>
                                           <p:spTgt spid="17"/>
+                                        </p:tgtEl>
+                                        <p:attrNameLst>
+                                          <p:attrName>ppt_y</p:attrName>
+                                        </p:attrNameLst>
+                                      </p:cBhvr>
+                                      <p:tavLst>
+                                        <p:tav tm="0">
+                                          <p:val>
+                                            <p:strVal val="1+#ppt_h/2"/>
+                                          </p:val>
+                                        </p:tav>
+                                        <p:tav tm="100000">
+                                          <p:val>
+                                            <p:strVal val="#ppt_y"/>
+                                          </p:val>
+                                        </p:tav>
+                                      </p:tavLst>
+                                    </p:anim>
+                                  </p:childTnLst>
+                                </p:cTn>
+                              </p:par>
+                              <p:par>
+                                <p:cTn id="37" presetID="2" presetClass="entr" presetSubtype="4" fill="hold" nodeType="withEffect">
+                                  <p:stCondLst>
+                                    <p:cond delay="0"/>
+                                  </p:stCondLst>
+                                  <p:childTnLst>
+                                    <p:set>
+                                      <p:cBhvr>
+                                        <p:cTn id="38" dur="1" fill="hold">
+                                          <p:stCondLst>
+                                            <p:cond delay="0"/>
+                                          </p:stCondLst>
+                                        </p:cTn>
+                                        <p:tgtEl>
+                                          <p:spTgt spid="2"/>
+                                        </p:tgtEl>
+                                        <p:attrNameLst>
+                                          <p:attrName>style.visibility</p:attrName>
+                                        </p:attrNameLst>
+                                      </p:cBhvr>
+                                      <p:to>
+                                        <p:strVal val="visible"/>
+                                      </p:to>
+                                    </p:set>
+                                    <p:anim calcmode="lin" valueType="num">
+                                      <p:cBhvr additive="base">
+                                        <p:cTn id="39" dur="500" fill="hold"/>
+                                        <p:tgtEl>
+                                          <p:spTgt spid="2"/>
+                                        </p:tgtEl>
+                                        <p:attrNameLst>
+                                          <p:attrName>ppt_x</p:attrName>
+                                        </p:attrNameLst>
+                                      </p:cBhvr>
+                                      <p:tavLst>
+                                        <p:tav tm="0">
+                                          <p:val>
+                                            <p:strVal val="#ppt_x"/>
+                                          </p:val>
+                                        </p:tav>
+                                        <p:tav tm="100000">
+                                          <p:val>
+                                            <p:strVal val="#ppt_x"/>
+                                          </p:val>
+                                        </p:tav>
+                                      </p:tavLst>
+                                    </p:anim>
+                                    <p:anim calcmode="lin" valueType="num">
+                                      <p:cBhvr additive="base">
+                                        <p:cTn id="40" dur="500" fill="hold"/>
+                                        <p:tgtEl>
+                                          <p:spTgt spid="2"/>
                                         </p:tgtEl>
                                         <p:attrNameLst>
                                           <p:attrName>ppt_y</p:attrName>
